--- a/figures/figure_01.pptx
+++ b/figures/figure_01.pptx
@@ -126,7 +126,7 @@
 <file path=ppt/revisionInfo.xml><?xml version="1.0" encoding="utf-8"?>
 <p1510:revInfo xmlns:a="http://schemas.openxmlformats.org/drawingml/2006/main" xmlns:r="http://schemas.openxmlformats.org/officeDocument/2006/relationships" xmlns:p1510="http://schemas.microsoft.com/office/powerpoint/2015/10/main">
   <p1510:revLst>
-    <p1510:client id="{7F2E4435-0903-4DD8-AE65-79D9B9A2C475}" v="10" dt="2025-10-23T21:40:28.653"/>
+    <p1510:client id="{F984BA32-9DDB-467F-BC07-79DBCBE120C3}" v="2" dt="2025-11-24T15:01:17.041"/>
   </p1510:revLst>
 </p1510:revInfo>
 </file>
@@ -136,74 +136,58 @@
   <pc:docChgLst>
     <pc:chgData name="Gilbert, Neil" userId="37be9f5c-8f28-415b-96d6-624acf93bb3f" providerId="ADAL" clId="{18ED56B6-1921-416C-9A28-3F6F3C8390B5}"/>
     <pc:docChg chg="undo custSel modSld">
-      <pc:chgData name="Gilbert, Neil" userId="37be9f5c-8f28-415b-96d6-624acf93bb3f" providerId="ADAL" clId="{18ED56B6-1921-416C-9A28-3F6F3C8390B5}" dt="2025-10-23T21:40:28.653" v="113" actId="164"/>
+      <pc:chgData name="Gilbert, Neil" userId="37be9f5c-8f28-415b-96d6-624acf93bb3f" providerId="ADAL" clId="{18ED56B6-1921-416C-9A28-3F6F3C8390B5}" dt="2025-11-24T15:03:33.010" v="145" actId="207"/>
       <pc:docMkLst>
         <pc:docMk/>
       </pc:docMkLst>
       <pc:sldChg chg="addSp delSp modSp mod">
-        <pc:chgData name="Gilbert, Neil" userId="37be9f5c-8f28-415b-96d6-624acf93bb3f" providerId="ADAL" clId="{18ED56B6-1921-416C-9A28-3F6F3C8390B5}" dt="2025-10-23T21:40:28.653" v="113" actId="164"/>
+        <pc:chgData name="Gilbert, Neil" userId="37be9f5c-8f28-415b-96d6-624acf93bb3f" providerId="ADAL" clId="{18ED56B6-1921-416C-9A28-3F6F3C8390B5}" dt="2025-11-24T15:03:33.010" v="145" actId="207"/>
         <pc:sldMkLst>
           <pc:docMk/>
           <pc:sldMk cId="1202037745" sldId="256"/>
         </pc:sldMkLst>
-        <pc:spChg chg="del topLvl">
-          <ac:chgData name="Gilbert, Neil" userId="37be9f5c-8f28-415b-96d6-624acf93bb3f" providerId="ADAL" clId="{18ED56B6-1921-416C-9A28-3F6F3C8390B5}" dt="2025-10-23T21:35:37.288" v="14" actId="478"/>
-          <ac:spMkLst>
-            <pc:docMk/>
-            <pc:sldMk cId="1202037745" sldId="256"/>
-            <ac:spMk id="13" creationId="{5115FD7D-C8EB-EEC0-0DA1-66663E4F4825}"/>
-          </ac:spMkLst>
-        </pc:spChg>
-        <pc:spChg chg="mod">
-          <ac:chgData name="Gilbert, Neil" userId="37be9f5c-8f28-415b-96d6-624acf93bb3f" providerId="ADAL" clId="{18ED56B6-1921-416C-9A28-3F6F3C8390B5}" dt="2025-10-23T21:40:28.653" v="113" actId="164"/>
+        <pc:spChg chg="mod topLvl">
+          <ac:chgData name="Gilbert, Neil" userId="37be9f5c-8f28-415b-96d6-624acf93bb3f" providerId="ADAL" clId="{18ED56B6-1921-416C-9A28-3F6F3C8390B5}" dt="2025-11-24T15:03:33.010" v="145" actId="207"/>
           <ac:spMkLst>
             <pc:docMk/>
             <pc:sldMk cId="1202037745" sldId="256"/>
             <ac:spMk id="14" creationId="{64469D45-79B9-6330-6E51-9F030F4B0A75}"/>
           </ac:spMkLst>
         </pc:spChg>
-        <pc:spChg chg="mod">
-          <ac:chgData name="Gilbert, Neil" userId="37be9f5c-8f28-415b-96d6-624acf93bb3f" providerId="ADAL" clId="{18ED56B6-1921-416C-9A28-3F6F3C8390B5}" dt="2025-10-23T21:40:28.653" v="113" actId="164"/>
+        <pc:spChg chg="mod topLvl">
+          <ac:chgData name="Gilbert, Neil" userId="37be9f5c-8f28-415b-96d6-624acf93bb3f" providerId="ADAL" clId="{18ED56B6-1921-416C-9A28-3F6F3C8390B5}" dt="2025-11-24T15:02:39.912" v="139" actId="1076"/>
           <ac:spMkLst>
             <pc:docMk/>
             <pc:sldMk cId="1202037745" sldId="256"/>
             <ac:spMk id="15" creationId="{4E93B6C1-41A5-2B2A-632B-EC4D031A74E1}"/>
           </ac:spMkLst>
         </pc:spChg>
-        <pc:spChg chg="add">
-          <ac:chgData name="Gilbert, Neil" userId="37be9f5c-8f28-415b-96d6-624acf93bb3f" providerId="ADAL" clId="{18ED56B6-1921-416C-9A28-3F6F3C8390B5}" dt="2025-10-23T21:32:08.741" v="0"/>
-          <ac:spMkLst>
-            <pc:docMk/>
-            <pc:sldMk cId="1202037745" sldId="256"/>
-            <ac:spMk id="16" creationId="{C4E71EB9-B9C3-1D7C-764A-AD74B2F11BD8}"/>
-          </ac:spMkLst>
-        </pc:spChg>
-        <pc:spChg chg="add mod">
-          <ac:chgData name="Gilbert, Neil" userId="37be9f5c-8f28-415b-96d6-624acf93bb3f" providerId="ADAL" clId="{18ED56B6-1921-416C-9A28-3F6F3C8390B5}" dt="2025-10-23T21:40:28.653" v="113" actId="164"/>
+        <pc:spChg chg="mod topLvl">
+          <ac:chgData name="Gilbert, Neil" userId="37be9f5c-8f28-415b-96d6-624acf93bb3f" providerId="ADAL" clId="{18ED56B6-1921-416C-9A28-3F6F3C8390B5}" dt="2025-11-24T15:01:17.041" v="130" actId="165"/>
           <ac:spMkLst>
             <pc:docMk/>
             <pc:sldMk cId="1202037745" sldId="256"/>
             <ac:spMk id="24" creationId="{4365CFE8-82F4-A057-9F71-474CE49E5353}"/>
           </ac:spMkLst>
         </pc:spChg>
-        <pc:spChg chg="add mod">
-          <ac:chgData name="Gilbert, Neil" userId="37be9f5c-8f28-415b-96d6-624acf93bb3f" providerId="ADAL" clId="{18ED56B6-1921-416C-9A28-3F6F3C8390B5}" dt="2025-10-23T21:40:28.653" v="113" actId="164"/>
+        <pc:spChg chg="mod topLvl">
+          <ac:chgData name="Gilbert, Neil" userId="37be9f5c-8f28-415b-96d6-624acf93bb3f" providerId="ADAL" clId="{18ED56B6-1921-416C-9A28-3F6F3C8390B5}" dt="2025-11-24T15:01:17.041" v="130" actId="165"/>
           <ac:spMkLst>
             <pc:docMk/>
             <pc:sldMk cId="1202037745" sldId="256"/>
             <ac:spMk id="25" creationId="{F0F5475A-2F2A-96A4-EFB9-180B3C00431E}"/>
           </ac:spMkLst>
         </pc:spChg>
-        <pc:spChg chg="add mod">
-          <ac:chgData name="Gilbert, Neil" userId="37be9f5c-8f28-415b-96d6-624acf93bb3f" providerId="ADAL" clId="{18ED56B6-1921-416C-9A28-3F6F3C8390B5}" dt="2025-10-23T21:40:28.653" v="113" actId="164"/>
+        <pc:spChg chg="mod topLvl">
+          <ac:chgData name="Gilbert, Neil" userId="37be9f5c-8f28-415b-96d6-624acf93bb3f" providerId="ADAL" clId="{18ED56B6-1921-416C-9A28-3F6F3C8390B5}" dt="2025-11-24T15:01:17.041" v="130" actId="165"/>
           <ac:spMkLst>
             <pc:docMk/>
             <pc:sldMk cId="1202037745" sldId="256"/>
             <ac:spMk id="26" creationId="{B6007B77-A6B2-C7A7-B187-9FD060A2B313}"/>
           </ac:spMkLst>
         </pc:spChg>
-        <pc:spChg chg="add mod">
-          <ac:chgData name="Gilbert, Neil" userId="37be9f5c-8f28-415b-96d6-624acf93bb3f" providerId="ADAL" clId="{18ED56B6-1921-416C-9A28-3F6F3C8390B5}" dt="2025-10-23T21:40:28.653" v="113" actId="164"/>
+        <pc:spChg chg="mod topLvl">
+          <ac:chgData name="Gilbert, Neil" userId="37be9f5c-8f28-415b-96d6-624acf93bb3f" providerId="ADAL" clId="{18ED56B6-1921-416C-9A28-3F6F3C8390B5}" dt="2025-11-24T15:01:17.041" v="130" actId="165"/>
           <ac:spMkLst>
             <pc:docMk/>
             <pc:sldMk cId="1202037745" sldId="256"/>
@@ -211,55 +195,31 @@
           </ac:spMkLst>
         </pc:spChg>
         <pc:grpChg chg="del">
-          <ac:chgData name="Gilbert, Neil" userId="37be9f5c-8f28-415b-96d6-624acf93bb3f" providerId="ADAL" clId="{18ED56B6-1921-416C-9A28-3F6F3C8390B5}" dt="2025-10-23T21:35:37.288" v="14" actId="478"/>
-          <ac:grpSpMkLst>
-            <pc:docMk/>
-            <pc:sldMk cId="1202037745" sldId="256"/>
-            <ac:grpSpMk id="11" creationId="{B5B3A764-C241-282C-EA0F-5F64EE1F731F}"/>
-          </ac:grpSpMkLst>
-        </pc:grpChg>
-        <pc:grpChg chg="add mod">
-          <ac:chgData name="Gilbert, Neil" userId="37be9f5c-8f28-415b-96d6-624acf93bb3f" providerId="ADAL" clId="{18ED56B6-1921-416C-9A28-3F6F3C8390B5}" dt="2025-10-23T21:40:28.653" v="113" actId="164"/>
+          <ac:chgData name="Gilbert, Neil" userId="37be9f5c-8f28-415b-96d6-624acf93bb3f" providerId="ADAL" clId="{18ED56B6-1921-416C-9A28-3F6F3C8390B5}" dt="2025-11-24T15:01:17.041" v="130" actId="165"/>
           <ac:grpSpMkLst>
             <pc:docMk/>
             <pc:sldMk cId="1202037745" sldId="256"/>
             <ac:grpSpMk id="28" creationId="{99FE3F91-983A-B316-604A-A16002D717C9}"/>
           </ac:grpSpMkLst>
         </pc:grpChg>
-        <pc:picChg chg="mod topLvl">
-          <ac:chgData name="Gilbert, Neil" userId="37be9f5c-8f28-415b-96d6-624acf93bb3f" providerId="ADAL" clId="{18ED56B6-1921-416C-9A28-3F6F3C8390B5}" dt="2025-10-23T21:40:28.653" v="113" actId="164"/>
+        <pc:picChg chg="add mod ord modCrop">
+          <ac:chgData name="Gilbert, Neil" userId="37be9f5c-8f28-415b-96d6-624acf93bb3f" providerId="ADAL" clId="{18ED56B6-1921-416C-9A28-3F6F3C8390B5}" dt="2025-11-24T15:03:04.102" v="141" actId="732"/>
+          <ac:picMkLst>
+            <pc:docMk/>
+            <pc:sldMk cId="1202037745" sldId="256"/>
+            <ac:picMk id="3" creationId="{FEA2E4FD-7377-F1D4-A5F0-A5E926F12A64}"/>
+          </ac:picMkLst>
+        </pc:picChg>
+        <pc:picChg chg="del">
+          <ac:chgData name="Gilbert, Neil" userId="37be9f5c-8f28-415b-96d6-624acf93bb3f" providerId="ADAL" clId="{18ED56B6-1921-416C-9A28-3F6F3C8390B5}" dt="2025-11-24T15:00:22.945" v="120" actId="478"/>
           <ac:picMkLst>
             <pc:docMk/>
             <pc:sldMk cId="1202037745" sldId="256"/>
             <ac:picMk id="12" creationId="{80F6FE42-43FF-6FB3-5728-B96ECF260052}"/>
           </ac:picMkLst>
         </pc:picChg>
-        <pc:picChg chg="add del mod">
-          <ac:chgData name="Gilbert, Neil" userId="37be9f5c-8f28-415b-96d6-624acf93bb3f" providerId="ADAL" clId="{18ED56B6-1921-416C-9A28-3F6F3C8390B5}" dt="2025-10-23T21:34:06.253" v="3" actId="478"/>
-          <ac:picMkLst>
-            <pc:docMk/>
-            <pc:sldMk cId="1202037745" sldId="256"/>
-            <ac:picMk id="17" creationId="{40407D56-A6DB-558A-1776-7AD5C5504F66}"/>
-          </ac:picMkLst>
-        </pc:picChg>
-        <pc:picChg chg="add del mod">
-          <ac:chgData name="Gilbert, Neil" userId="37be9f5c-8f28-415b-96d6-624acf93bb3f" providerId="ADAL" clId="{18ED56B6-1921-416C-9A28-3F6F3C8390B5}" dt="2025-10-23T21:35:17.809" v="8" actId="478"/>
-          <ac:picMkLst>
-            <pc:docMk/>
-            <pc:sldMk cId="1202037745" sldId="256"/>
-            <ac:picMk id="19" creationId="{A18F8844-6C53-1FBA-178C-864D7CA74936}"/>
-          </ac:picMkLst>
-        </pc:picChg>
-        <pc:picChg chg="add del mod ord">
-          <ac:chgData name="Gilbert, Neil" userId="37be9f5c-8f28-415b-96d6-624acf93bb3f" providerId="ADAL" clId="{18ED56B6-1921-416C-9A28-3F6F3C8390B5}" dt="2025-10-23T21:36:03.738" v="18" actId="478"/>
-          <ac:picMkLst>
-            <pc:docMk/>
-            <pc:sldMk cId="1202037745" sldId="256"/>
-            <ac:picMk id="21" creationId="{0F6C381E-A004-D1CA-EA13-6908587A3677}"/>
-          </ac:picMkLst>
-        </pc:picChg>
-        <pc:picChg chg="add mod ord">
-          <ac:chgData name="Gilbert, Neil" userId="37be9f5c-8f28-415b-96d6-624acf93bb3f" providerId="ADAL" clId="{18ED56B6-1921-416C-9A28-3F6F3C8390B5}" dt="2025-10-23T21:40:28.653" v="113" actId="164"/>
+        <pc:picChg chg="mod topLvl">
+          <ac:chgData name="Gilbert, Neil" userId="37be9f5c-8f28-415b-96d6-624acf93bb3f" providerId="ADAL" clId="{18ED56B6-1921-416C-9A28-3F6F3C8390B5}" dt="2025-11-24T15:01:17.041" v="130" actId="165"/>
           <ac:picMkLst>
             <pc:docMk/>
             <pc:sldMk cId="1202037745" sldId="256"/>
@@ -403,7 +363,7 @@
           <a:p>
             <a:fld id="{251B42A5-D546-4F9F-8977-A80C425BE70D}" type="datetimeFigureOut">
               <a:rPr lang="en-US" smtClean="0"/>
-              <a:t>10/23/2025</a:t>
+              <a:t>11/24/2025</a:t>
             </a:fld>
             <a:endParaRPr lang="en-US"/>
           </a:p>
@@ -573,7 +533,7 @@
           <a:p>
             <a:fld id="{251B42A5-D546-4F9F-8977-A80C425BE70D}" type="datetimeFigureOut">
               <a:rPr lang="en-US" smtClean="0"/>
-              <a:t>10/23/2025</a:t>
+              <a:t>11/24/2025</a:t>
             </a:fld>
             <a:endParaRPr lang="en-US"/>
           </a:p>
@@ -753,7 +713,7 @@
           <a:p>
             <a:fld id="{251B42A5-D546-4F9F-8977-A80C425BE70D}" type="datetimeFigureOut">
               <a:rPr lang="en-US" smtClean="0"/>
-              <a:t>10/23/2025</a:t>
+              <a:t>11/24/2025</a:t>
             </a:fld>
             <a:endParaRPr lang="en-US"/>
           </a:p>
@@ -923,7 +883,7 @@
           <a:p>
             <a:fld id="{251B42A5-D546-4F9F-8977-A80C425BE70D}" type="datetimeFigureOut">
               <a:rPr lang="en-US" smtClean="0"/>
-              <a:t>10/23/2025</a:t>
+              <a:t>11/24/2025</a:t>
             </a:fld>
             <a:endParaRPr lang="en-US"/>
           </a:p>
@@ -1169,7 +1129,7 @@
           <a:p>
             <a:fld id="{251B42A5-D546-4F9F-8977-A80C425BE70D}" type="datetimeFigureOut">
               <a:rPr lang="en-US" smtClean="0"/>
-              <a:t>10/23/2025</a:t>
+              <a:t>11/24/2025</a:t>
             </a:fld>
             <a:endParaRPr lang="en-US"/>
           </a:p>
@@ -1401,7 +1361,7 @@
           <a:p>
             <a:fld id="{251B42A5-D546-4F9F-8977-A80C425BE70D}" type="datetimeFigureOut">
               <a:rPr lang="en-US" smtClean="0"/>
-              <a:t>10/23/2025</a:t>
+              <a:t>11/24/2025</a:t>
             </a:fld>
             <a:endParaRPr lang="en-US"/>
           </a:p>
@@ -1768,7 +1728,7 @@
           <a:p>
             <a:fld id="{251B42A5-D546-4F9F-8977-A80C425BE70D}" type="datetimeFigureOut">
               <a:rPr lang="en-US" smtClean="0"/>
-              <a:t>10/23/2025</a:t>
+              <a:t>11/24/2025</a:t>
             </a:fld>
             <a:endParaRPr lang="en-US"/>
           </a:p>
@@ -1886,7 +1846,7 @@
           <a:p>
             <a:fld id="{251B42A5-D546-4F9F-8977-A80C425BE70D}" type="datetimeFigureOut">
               <a:rPr lang="en-US" smtClean="0"/>
-              <a:t>10/23/2025</a:t>
+              <a:t>11/24/2025</a:t>
             </a:fld>
             <a:endParaRPr lang="en-US"/>
           </a:p>
@@ -1981,7 +1941,7 @@
           <a:p>
             <a:fld id="{251B42A5-D546-4F9F-8977-A80C425BE70D}" type="datetimeFigureOut">
               <a:rPr lang="en-US" smtClean="0"/>
-              <a:t>10/23/2025</a:t>
+              <a:t>11/24/2025</a:t>
             </a:fld>
             <a:endParaRPr lang="en-US"/>
           </a:p>
@@ -2258,7 +2218,7 @@
           <a:p>
             <a:fld id="{251B42A5-D546-4F9F-8977-A80C425BE70D}" type="datetimeFigureOut">
               <a:rPr lang="en-US" smtClean="0"/>
-              <a:t>10/23/2025</a:t>
+              <a:t>11/24/2025</a:t>
             </a:fld>
             <a:endParaRPr lang="en-US"/>
           </a:p>
@@ -2515,7 +2475,7 @@
           <a:p>
             <a:fld id="{251B42A5-D546-4F9F-8977-A80C425BE70D}" type="datetimeFigureOut">
               <a:rPr lang="en-US" smtClean="0"/>
-              <a:t>10/23/2025</a:t>
+              <a:t>11/24/2025</a:t>
             </a:fld>
             <a:endParaRPr lang="en-US"/>
           </a:p>
@@ -2728,7 +2688,7 @@
           <a:p>
             <a:fld id="{251B42A5-D546-4F9F-8977-A80C425BE70D}" type="datetimeFigureOut">
               <a:rPr lang="en-US" smtClean="0"/>
-              <a:t>10/23/2025</a:t>
+              <a:t>11/24/2025</a:t>
             </a:fld>
             <a:endParaRPr lang="en-US"/>
           </a:p>
@@ -3133,458 +3093,437 @@
           <a:chExt cx="0" cy="0"/>
         </a:xfrm>
       </p:grpSpPr>
-      <p:grpSp>
-        <p:nvGrpSpPr>
-          <p:cNvPr id="28" name="Group 27">
+      <p:pic>
+        <p:nvPicPr>
+          <p:cNvPr id="3" name="Picture 2" descr="A bird feeding a baby bird&#10;&#10;AI-generated content may be incorrect.">
             <a:extLst>
               <a:ext uri="{FF2B5EF4-FFF2-40B4-BE49-F238E27FC236}">
-                <a16:creationId xmlns:a16="http://schemas.microsoft.com/office/drawing/2014/main" id="{99FE3F91-983A-B316-604A-A16002D717C9}"/>
+                <a16:creationId xmlns:a16="http://schemas.microsoft.com/office/drawing/2014/main" id="{FEA2E4FD-7377-F1D4-A5F0-A5E926F12A64}"/>
               </a:ext>
             </a:extLst>
           </p:cNvPr>
-          <p:cNvGrpSpPr/>
+          <p:cNvPicPr>
+            <a:picLocks noChangeAspect="1"/>
+          </p:cNvPicPr>
           <p:nvPr/>
-        </p:nvGrpSpPr>
-        <p:grpSpPr>
+        </p:nvPicPr>
+        <p:blipFill>
+          <a:blip r:embed="rId2">
+            <a:extLst>
+              <a:ext uri="{28A0092B-C50C-407E-A947-70E740481C1C}">
+                <a14:useLocalDpi xmlns:a14="http://schemas.microsoft.com/office/drawing/2010/main" val="0"/>
+              </a:ext>
+            </a:extLst>
+          </a:blip>
+          <a:srcRect l="12577" t="18077" b="27652"/>
+          <a:stretch>
+            <a:fillRect/>
+          </a:stretch>
+        </p:blipFill>
+        <p:spPr>
           <a:xfrm>
-            <a:off x="0" y="-1510"/>
-            <a:ext cx="4618038" cy="1830310"/>
-            <a:chOff x="0" y="-1510"/>
-            <a:chExt cx="4618038" cy="1830310"/>
+            <a:off x="-1" y="0"/>
+            <a:ext cx="2349523" cy="1823242"/>
           </a:xfrm>
-        </p:grpSpPr>
-        <p:pic>
-          <p:nvPicPr>
-            <p:cNvPr id="23" name="Picture 22" descr="A diagram of different colored lines&#10;&#10;AI-generated content may be incorrect.">
-              <a:extLst>
-                <a:ext uri="{FF2B5EF4-FFF2-40B4-BE49-F238E27FC236}">
-                  <a16:creationId xmlns:a16="http://schemas.microsoft.com/office/drawing/2014/main" id="{F6E11FB1-F84B-1D22-ACE8-F4B8E0E98F42}"/>
-                </a:ext>
-              </a:extLst>
-            </p:cNvPr>
-            <p:cNvPicPr>
-              <a:picLocks noChangeAspect="1"/>
-            </p:cNvPicPr>
-            <p:nvPr/>
-          </p:nvPicPr>
-          <p:blipFill>
-            <a:blip r:embed="rId2">
-              <a:extLst>
-                <a:ext uri="{28A0092B-C50C-407E-A947-70E740481C1C}">
-                  <a14:useLocalDpi xmlns:a14="http://schemas.microsoft.com/office/drawing/2010/main" val="0"/>
-                </a:ext>
-              </a:extLst>
-            </a:blip>
-            <a:stretch>
-              <a:fillRect/>
-            </a:stretch>
-          </p:blipFill>
-          <p:spPr>
-            <a:xfrm>
-              <a:off x="2332038" y="-1"/>
-              <a:ext cx="2286000" cy="1828800"/>
-            </a:xfrm>
-            <a:prstGeom prst="rect">
-              <a:avLst/>
-            </a:prstGeom>
-          </p:spPr>
-        </p:pic>
-        <p:pic>
-          <p:nvPicPr>
-            <p:cNvPr id="12" name="Picture 11" descr="A group of birds flying over a birdhouse&#10;&#10;AI-generated content may be incorrect.">
-              <a:extLst>
-                <a:ext uri="{FF2B5EF4-FFF2-40B4-BE49-F238E27FC236}">
-                  <a16:creationId xmlns:a16="http://schemas.microsoft.com/office/drawing/2014/main" id="{80F6FE42-43FF-6FB3-5728-B96ECF260052}"/>
-                </a:ext>
-              </a:extLst>
-            </p:cNvPr>
-            <p:cNvPicPr>
-              <a:picLocks noChangeAspect="1"/>
-            </p:cNvPicPr>
-            <p:nvPr/>
-          </p:nvPicPr>
-          <p:blipFill>
-            <a:blip r:embed="rId3">
-              <a:extLst>
-                <a:ext uri="{28A0092B-C50C-407E-A947-70E740481C1C}">
-                  <a14:useLocalDpi xmlns:a14="http://schemas.microsoft.com/office/drawing/2010/main" val="0"/>
-                </a:ext>
-              </a:extLst>
-            </a:blip>
-            <a:srcRect l="11990" t="14090" r="5289" b="32970"/>
-            <a:stretch>
-              <a:fillRect/>
-            </a:stretch>
-          </p:blipFill>
-          <p:spPr>
-            <a:xfrm>
-              <a:off x="0" y="0"/>
-              <a:ext cx="2286000" cy="1828800"/>
-            </a:xfrm>
-            <a:prstGeom prst="rect">
-              <a:avLst/>
-            </a:prstGeom>
-          </p:spPr>
-        </p:pic>
-        <p:sp>
-          <p:nvSpPr>
-            <p:cNvPr id="14" name="Rectangle 13">
-              <a:extLst>
-                <a:ext uri="{FF2B5EF4-FFF2-40B4-BE49-F238E27FC236}">
-                  <a16:creationId xmlns:a16="http://schemas.microsoft.com/office/drawing/2014/main" id="{64469D45-79B9-6330-6E51-9F030F4B0A75}"/>
-                </a:ext>
-              </a:extLst>
-            </p:cNvPr>
-            <p:cNvSpPr/>
-            <p:nvPr/>
-          </p:nvSpPr>
-          <p:spPr>
-            <a:xfrm>
-              <a:off x="0" y="0"/>
-              <a:ext cx="194289" cy="176841"/>
-            </a:xfrm>
-            <a:prstGeom prst="rect">
-              <a:avLst/>
-            </a:prstGeom>
-            <a:solidFill>
-              <a:srgbClr val="CEAB87"/>
-            </a:solidFill>
-            <a:ln>
-              <a:noFill/>
-            </a:ln>
-          </p:spPr>
-          <p:style>
-            <a:lnRef idx="2">
-              <a:schemeClr val="accent1">
-                <a:shade val="15000"/>
-              </a:schemeClr>
-            </a:lnRef>
-            <a:fillRef idx="1">
-              <a:schemeClr val="accent1"/>
-            </a:fillRef>
-            <a:effectRef idx="0">
-              <a:schemeClr val="accent1"/>
-            </a:effectRef>
-            <a:fontRef idx="minor">
-              <a:schemeClr val="lt1"/>
-            </a:fontRef>
-          </p:style>
-          <p:txBody>
-            <a:bodyPr lIns="0" rIns="0" rtlCol="0" anchor="ctr"/>
-            <a:lstStyle/>
-            <a:p>
-              <a:pPr algn="ctr"/>
-              <a:r>
-                <a:rPr lang="en-US" sz="900" dirty="0">
-                  <a:solidFill>
-                    <a:schemeClr val="tx1"/>
-                  </a:solidFill>
-                  <a:latin typeface="Arial" panose="020B0604020202020204" pitchFamily="34" charset="0"/>
-                  <a:cs typeface="Arial" panose="020B0604020202020204" pitchFamily="34" charset="0"/>
-                </a:rPr>
-                <a:t>(a)</a:t>
-              </a:r>
-            </a:p>
-          </p:txBody>
-        </p:sp>
-        <p:sp>
-          <p:nvSpPr>
-            <p:cNvPr id="15" name="Rectangle 14">
-              <a:extLst>
-                <a:ext uri="{FF2B5EF4-FFF2-40B4-BE49-F238E27FC236}">
-                  <a16:creationId xmlns:a16="http://schemas.microsoft.com/office/drawing/2014/main" id="{4E93B6C1-41A5-2B2A-632B-EC4D031A74E1}"/>
-                </a:ext>
-              </a:extLst>
-            </p:cNvPr>
-            <p:cNvSpPr/>
-            <p:nvPr/>
-          </p:nvSpPr>
-          <p:spPr>
-            <a:xfrm>
-              <a:off x="2374945" y="-1"/>
-              <a:ext cx="194289" cy="176841"/>
-            </a:xfrm>
-            <a:prstGeom prst="rect">
-              <a:avLst/>
-            </a:prstGeom>
-            <a:solidFill>
-              <a:schemeClr val="bg1"/>
-            </a:solidFill>
-            <a:ln>
-              <a:noFill/>
-            </a:ln>
-          </p:spPr>
-          <p:style>
-            <a:lnRef idx="2">
-              <a:schemeClr val="accent1">
-                <a:shade val="15000"/>
-              </a:schemeClr>
-            </a:lnRef>
-            <a:fillRef idx="1">
-              <a:schemeClr val="accent1"/>
-            </a:fillRef>
-            <a:effectRef idx="0">
-              <a:schemeClr val="accent1"/>
-            </a:effectRef>
-            <a:fontRef idx="minor">
-              <a:schemeClr val="lt1"/>
-            </a:fontRef>
-          </p:style>
-          <p:txBody>
-            <a:bodyPr lIns="0" rIns="0" rtlCol="0" anchor="ctr"/>
-            <a:lstStyle/>
-            <a:p>
-              <a:pPr algn="ctr"/>
-              <a:r>
-                <a:rPr lang="en-US" sz="900" dirty="0">
-                  <a:solidFill>
-                    <a:schemeClr val="tx1"/>
-                  </a:solidFill>
-                  <a:latin typeface="Arial" panose="020B0604020202020204" pitchFamily="34" charset="0"/>
-                  <a:cs typeface="Arial" panose="020B0604020202020204" pitchFamily="34" charset="0"/>
-                </a:rPr>
-                <a:t>(b)</a:t>
-              </a:r>
-            </a:p>
-          </p:txBody>
-        </p:sp>
-        <p:sp>
-          <p:nvSpPr>
-            <p:cNvPr id="24" name="Rectangle 23">
-              <a:extLst>
-                <a:ext uri="{FF2B5EF4-FFF2-40B4-BE49-F238E27FC236}">
-                  <a16:creationId xmlns:a16="http://schemas.microsoft.com/office/drawing/2014/main" id="{4365CFE8-82F4-A057-9F71-474CE49E5353}"/>
-                </a:ext>
-              </a:extLst>
-            </p:cNvPr>
-            <p:cNvSpPr/>
-            <p:nvPr/>
-          </p:nvSpPr>
-          <p:spPr>
-            <a:xfrm rot="3552643">
-              <a:off x="2662389" y="405568"/>
-              <a:ext cx="1108239" cy="329962"/>
-            </a:xfrm>
-            <a:prstGeom prst="rect">
-              <a:avLst/>
-            </a:prstGeom>
+          <a:prstGeom prst="rect">
+            <a:avLst/>
+          </a:prstGeom>
+        </p:spPr>
+      </p:pic>
+      <p:pic>
+        <p:nvPicPr>
+          <p:cNvPr id="23" name="Picture 22" descr="A diagram of different colored lines&#10;&#10;AI-generated content may be incorrect.">
+            <a:extLst>
+              <a:ext uri="{FF2B5EF4-FFF2-40B4-BE49-F238E27FC236}">
+                <a16:creationId xmlns:a16="http://schemas.microsoft.com/office/drawing/2014/main" id="{F6E11FB1-F84B-1D22-ACE8-F4B8E0E98F42}"/>
+              </a:ext>
+            </a:extLst>
+          </p:cNvPr>
+          <p:cNvPicPr>
+            <a:picLocks noChangeAspect="1"/>
+          </p:cNvPicPr>
+          <p:nvPr/>
+        </p:nvPicPr>
+        <p:blipFill>
+          <a:blip r:embed="rId3">
+            <a:extLst>
+              <a:ext uri="{28A0092B-C50C-407E-A947-70E740481C1C}">
+                <a14:useLocalDpi xmlns:a14="http://schemas.microsoft.com/office/drawing/2010/main" val="0"/>
+              </a:ext>
+            </a:extLst>
+          </a:blip>
+          <a:stretch>
+            <a:fillRect/>
+          </a:stretch>
+        </p:blipFill>
+        <p:spPr>
+          <a:xfrm>
+            <a:off x="2332038" y="-1"/>
+            <a:ext cx="2286000" cy="1828800"/>
+          </a:xfrm>
+          <a:prstGeom prst="rect">
+            <a:avLst/>
+          </a:prstGeom>
+        </p:spPr>
+      </p:pic>
+      <p:sp>
+        <p:nvSpPr>
+          <p:cNvPr id="14" name="Rectangle 13">
+            <a:extLst>
+              <a:ext uri="{FF2B5EF4-FFF2-40B4-BE49-F238E27FC236}">
+                <a16:creationId xmlns:a16="http://schemas.microsoft.com/office/drawing/2014/main" id="{64469D45-79B9-6330-6E51-9F030F4B0A75}"/>
+              </a:ext>
+            </a:extLst>
+          </p:cNvPr>
+          <p:cNvSpPr/>
+          <p:nvPr/>
+        </p:nvSpPr>
+        <p:spPr>
+          <a:xfrm>
+            <a:off x="0" y="0"/>
+            <a:ext cx="194289" cy="176841"/>
+          </a:xfrm>
+          <a:prstGeom prst="rect">
+            <a:avLst/>
+          </a:prstGeom>
+          <a:solidFill>
+            <a:srgbClr val="81827C"/>
+          </a:solidFill>
+          <a:ln>
             <a:noFill/>
-            <a:ln>
-              <a:noFill/>
-            </a:ln>
-          </p:spPr>
-          <p:style>
-            <a:lnRef idx="2">
-              <a:schemeClr val="accent1">
-                <a:shade val="15000"/>
-              </a:schemeClr>
-            </a:lnRef>
-            <a:fillRef idx="1">
-              <a:schemeClr val="accent1"/>
-            </a:fillRef>
-            <a:effectRef idx="0">
-              <a:schemeClr val="accent1"/>
-            </a:effectRef>
-            <a:fontRef idx="minor">
-              <a:schemeClr val="lt1"/>
-            </a:fontRef>
-          </p:style>
-          <p:txBody>
-            <a:bodyPr rtlCol="0" anchor="ctr"/>
-            <a:lstStyle/>
-            <a:p>
-              <a:pPr algn="ctr"/>
-              <a:r>
-                <a:rPr lang="en-US" sz="800" dirty="0">
-                  <a:solidFill>
-                    <a:srgbClr val="845D29"/>
-                  </a:solidFill>
-                  <a:latin typeface="Arial" panose="020B0604020202020204" pitchFamily="34" charset="0"/>
-                  <a:cs typeface="Arial" panose="020B0604020202020204" pitchFamily="34" charset="0"/>
-                </a:rPr>
-                <a:t>similar-sized non-excavators</a:t>
-              </a:r>
-            </a:p>
-          </p:txBody>
-        </p:sp>
-        <p:sp>
-          <p:nvSpPr>
-            <p:cNvPr id="25" name="Rectangle 24">
-              <a:extLst>
-                <a:ext uri="{FF2B5EF4-FFF2-40B4-BE49-F238E27FC236}">
-                  <a16:creationId xmlns:a16="http://schemas.microsoft.com/office/drawing/2014/main" id="{F0F5475A-2F2A-96A4-EFB9-180B3C00431E}"/>
-                </a:ext>
-              </a:extLst>
-            </p:cNvPr>
-            <p:cNvSpPr/>
-            <p:nvPr/>
-          </p:nvSpPr>
-          <p:spPr>
-            <a:xfrm rot="18172253">
-              <a:off x="3483914" y="374927"/>
-              <a:ext cx="1082836" cy="329962"/>
-            </a:xfrm>
-            <a:prstGeom prst="rect">
-              <a:avLst/>
-            </a:prstGeom>
+          </a:ln>
+        </p:spPr>
+        <p:style>
+          <a:lnRef idx="2">
+            <a:schemeClr val="accent1">
+              <a:shade val="15000"/>
+            </a:schemeClr>
+          </a:lnRef>
+          <a:fillRef idx="1">
+            <a:schemeClr val="accent1"/>
+          </a:fillRef>
+          <a:effectRef idx="0">
+            <a:schemeClr val="accent1"/>
+          </a:effectRef>
+          <a:fontRef idx="minor">
+            <a:schemeClr val="lt1"/>
+          </a:fontRef>
+        </p:style>
+        <p:txBody>
+          <a:bodyPr lIns="0" rIns="0" rtlCol="0" anchor="ctr"/>
+          <a:lstStyle/>
+          <a:p>
+            <a:pPr algn="ctr"/>
+            <a:r>
+              <a:rPr lang="en-US" sz="900" dirty="0">
+                <a:solidFill>
+                  <a:schemeClr val="bg1"/>
+                </a:solidFill>
+                <a:latin typeface="Arial" panose="020B0604020202020204" pitchFamily="34" charset="0"/>
+                <a:cs typeface="Arial" panose="020B0604020202020204" pitchFamily="34" charset="0"/>
+              </a:rPr>
+              <a:t>(a)</a:t>
+            </a:r>
+          </a:p>
+        </p:txBody>
+      </p:sp>
+      <p:sp>
+        <p:nvSpPr>
+          <p:cNvPr id="15" name="Rectangle 14">
+            <a:extLst>
+              <a:ext uri="{FF2B5EF4-FFF2-40B4-BE49-F238E27FC236}">
+                <a16:creationId xmlns:a16="http://schemas.microsoft.com/office/drawing/2014/main" id="{4E93B6C1-41A5-2B2A-632B-EC4D031A74E1}"/>
+              </a:ext>
+            </a:extLst>
+          </p:cNvPr>
+          <p:cNvSpPr/>
+          <p:nvPr/>
+        </p:nvSpPr>
+        <p:spPr>
+          <a:xfrm>
+            <a:off x="2374945" y="0"/>
+            <a:ext cx="194289" cy="176841"/>
+          </a:xfrm>
+          <a:prstGeom prst="rect">
+            <a:avLst/>
+          </a:prstGeom>
+          <a:solidFill>
+            <a:schemeClr val="bg1"/>
+          </a:solidFill>
+          <a:ln>
             <a:noFill/>
-            <a:ln>
-              <a:noFill/>
-            </a:ln>
-          </p:spPr>
-          <p:style>
-            <a:lnRef idx="2">
-              <a:schemeClr val="accent1">
-                <a:shade val="15000"/>
-              </a:schemeClr>
-            </a:lnRef>
-            <a:fillRef idx="1">
-              <a:schemeClr val="accent1"/>
-            </a:fillRef>
-            <a:effectRef idx="0">
-              <a:schemeClr val="accent1"/>
-            </a:effectRef>
-            <a:fontRef idx="minor">
-              <a:schemeClr val="lt1"/>
-            </a:fontRef>
-          </p:style>
-          <p:txBody>
-            <a:bodyPr rtlCol="0" anchor="ctr"/>
-            <a:lstStyle/>
-            <a:p>
-              <a:pPr algn="ctr"/>
-              <a:r>
-                <a:rPr lang="en-US" sz="800" dirty="0">
-                  <a:solidFill>
-                    <a:srgbClr val="175F5D"/>
-                  </a:solidFill>
-                  <a:latin typeface="Arial" panose="020B0604020202020204" pitchFamily="34" charset="0"/>
-                  <a:cs typeface="Arial" panose="020B0604020202020204" pitchFamily="34" charset="0"/>
-                </a:rPr>
-                <a:t>similar-sized excavators</a:t>
-              </a:r>
-            </a:p>
-          </p:txBody>
-        </p:sp>
-        <p:sp>
-          <p:nvSpPr>
-            <p:cNvPr id="26" name="Rectangle 25">
-              <a:extLst>
-                <a:ext uri="{FF2B5EF4-FFF2-40B4-BE49-F238E27FC236}">
-                  <a16:creationId xmlns:a16="http://schemas.microsoft.com/office/drawing/2014/main" id="{B6007B77-A6B2-C7A7-B187-9FD060A2B313}"/>
-                </a:ext>
-              </a:extLst>
-            </p:cNvPr>
-            <p:cNvSpPr/>
-            <p:nvPr/>
-          </p:nvSpPr>
-          <p:spPr>
-            <a:xfrm rot="18603284">
-              <a:off x="3748877" y="963573"/>
-              <a:ext cx="908377" cy="329962"/>
-            </a:xfrm>
-            <a:prstGeom prst="rect">
-              <a:avLst/>
-            </a:prstGeom>
+          </a:ln>
+        </p:spPr>
+        <p:style>
+          <a:lnRef idx="2">
+            <a:schemeClr val="accent1">
+              <a:shade val="15000"/>
+            </a:schemeClr>
+          </a:lnRef>
+          <a:fillRef idx="1">
+            <a:schemeClr val="accent1"/>
+          </a:fillRef>
+          <a:effectRef idx="0">
+            <a:schemeClr val="accent1"/>
+          </a:effectRef>
+          <a:fontRef idx="minor">
+            <a:schemeClr val="lt1"/>
+          </a:fontRef>
+        </p:style>
+        <p:txBody>
+          <a:bodyPr lIns="0" rIns="0" rtlCol="0" anchor="ctr"/>
+          <a:lstStyle/>
+          <a:p>
+            <a:pPr algn="ctr"/>
+            <a:r>
+              <a:rPr lang="en-US" sz="900" dirty="0">
+                <a:solidFill>
+                  <a:schemeClr val="tx1"/>
+                </a:solidFill>
+                <a:latin typeface="Arial" panose="020B0604020202020204" pitchFamily="34" charset="0"/>
+                <a:cs typeface="Arial" panose="020B0604020202020204" pitchFamily="34" charset="0"/>
+              </a:rPr>
+              <a:t>(b)</a:t>
+            </a:r>
+          </a:p>
+        </p:txBody>
+      </p:sp>
+      <p:sp>
+        <p:nvSpPr>
+          <p:cNvPr id="24" name="Rectangle 23">
+            <a:extLst>
+              <a:ext uri="{FF2B5EF4-FFF2-40B4-BE49-F238E27FC236}">
+                <a16:creationId xmlns:a16="http://schemas.microsoft.com/office/drawing/2014/main" id="{4365CFE8-82F4-A057-9F71-474CE49E5353}"/>
+              </a:ext>
+            </a:extLst>
+          </p:cNvPr>
+          <p:cNvSpPr/>
+          <p:nvPr/>
+        </p:nvSpPr>
+        <p:spPr>
+          <a:xfrm rot="3552643">
+            <a:off x="2662389" y="405568"/>
+            <a:ext cx="1108239" cy="329962"/>
+          </a:xfrm>
+          <a:prstGeom prst="rect">
+            <a:avLst/>
+          </a:prstGeom>
+          <a:noFill/>
+          <a:ln>
             <a:noFill/>
-            <a:ln>
-              <a:noFill/>
-            </a:ln>
-          </p:spPr>
-          <p:style>
-            <a:lnRef idx="2">
-              <a:schemeClr val="accent1">
-                <a:shade val="15000"/>
-              </a:schemeClr>
-            </a:lnRef>
-            <a:fillRef idx="1">
-              <a:schemeClr val="accent1"/>
-            </a:fillRef>
-            <a:effectRef idx="0">
-              <a:schemeClr val="accent1"/>
-            </a:effectRef>
-            <a:fontRef idx="minor">
-              <a:schemeClr val="lt1"/>
-            </a:fontRef>
-          </p:style>
-          <p:txBody>
-            <a:bodyPr rtlCol="0" anchor="ctr"/>
-            <a:lstStyle/>
-            <a:p>
-              <a:pPr algn="ctr"/>
-              <a:r>
-                <a:rPr lang="en-US" sz="800" dirty="0">
-                  <a:solidFill>
-                    <a:srgbClr val="4FB6CA"/>
-                  </a:solidFill>
-                  <a:latin typeface="Arial" panose="020B0604020202020204" pitchFamily="34" charset="0"/>
-                  <a:cs typeface="Arial" panose="020B0604020202020204" pitchFamily="34" charset="0"/>
-                </a:rPr>
-                <a:t>all excavators</a:t>
-              </a:r>
-            </a:p>
-          </p:txBody>
-        </p:sp>
-        <p:sp>
-          <p:nvSpPr>
-            <p:cNvPr id="27" name="Rectangle 26">
-              <a:extLst>
-                <a:ext uri="{FF2B5EF4-FFF2-40B4-BE49-F238E27FC236}">
-                  <a16:creationId xmlns:a16="http://schemas.microsoft.com/office/drawing/2014/main" id="{AECB2BEF-E029-AE99-51E1-ACB1C4C44E53}"/>
-                </a:ext>
-              </a:extLst>
-            </p:cNvPr>
-            <p:cNvSpPr/>
-            <p:nvPr/>
-          </p:nvSpPr>
-          <p:spPr>
-            <a:xfrm rot="2818762">
-              <a:off x="2486228" y="942623"/>
-              <a:ext cx="907661" cy="329962"/>
-            </a:xfrm>
-            <a:prstGeom prst="rect">
-              <a:avLst/>
-            </a:prstGeom>
+          </a:ln>
+        </p:spPr>
+        <p:style>
+          <a:lnRef idx="2">
+            <a:schemeClr val="accent1">
+              <a:shade val="15000"/>
+            </a:schemeClr>
+          </a:lnRef>
+          <a:fillRef idx="1">
+            <a:schemeClr val="accent1"/>
+          </a:fillRef>
+          <a:effectRef idx="0">
+            <a:schemeClr val="accent1"/>
+          </a:effectRef>
+          <a:fontRef idx="minor">
+            <a:schemeClr val="lt1"/>
+          </a:fontRef>
+        </p:style>
+        <p:txBody>
+          <a:bodyPr rtlCol="0" anchor="ctr"/>
+          <a:lstStyle/>
+          <a:p>
+            <a:pPr algn="ctr"/>
+            <a:r>
+              <a:rPr lang="en-US" sz="800" dirty="0">
+                <a:solidFill>
+                  <a:srgbClr val="845D29"/>
+                </a:solidFill>
+                <a:latin typeface="Arial" panose="020B0604020202020204" pitchFamily="34" charset="0"/>
+                <a:cs typeface="Arial" panose="020B0604020202020204" pitchFamily="34" charset="0"/>
+              </a:rPr>
+              <a:t>similar-sized non-excavators</a:t>
+            </a:r>
+          </a:p>
+        </p:txBody>
+      </p:sp>
+      <p:sp>
+        <p:nvSpPr>
+          <p:cNvPr id="25" name="Rectangle 24">
+            <a:extLst>
+              <a:ext uri="{FF2B5EF4-FFF2-40B4-BE49-F238E27FC236}">
+                <a16:creationId xmlns:a16="http://schemas.microsoft.com/office/drawing/2014/main" id="{F0F5475A-2F2A-96A4-EFB9-180B3C00431E}"/>
+              </a:ext>
+            </a:extLst>
+          </p:cNvPr>
+          <p:cNvSpPr/>
+          <p:nvPr/>
+        </p:nvSpPr>
+        <p:spPr>
+          <a:xfrm rot="18172253">
+            <a:off x="3483914" y="374927"/>
+            <a:ext cx="1082836" cy="329962"/>
+          </a:xfrm>
+          <a:prstGeom prst="rect">
+            <a:avLst/>
+          </a:prstGeom>
+          <a:noFill/>
+          <a:ln>
             <a:noFill/>
-            <a:ln>
-              <a:noFill/>
-            </a:ln>
-          </p:spPr>
-          <p:style>
-            <a:lnRef idx="2">
-              <a:schemeClr val="accent1">
-                <a:shade val="15000"/>
-              </a:schemeClr>
-            </a:lnRef>
-            <a:fillRef idx="1">
-              <a:schemeClr val="accent1"/>
-            </a:fillRef>
-            <a:effectRef idx="0">
-              <a:schemeClr val="accent1"/>
-            </a:effectRef>
-            <a:fontRef idx="minor">
-              <a:schemeClr val="lt1"/>
-            </a:fontRef>
-          </p:style>
-          <p:txBody>
-            <a:bodyPr rtlCol="0" anchor="ctr"/>
-            <a:lstStyle/>
-            <a:p>
-              <a:pPr algn="ctr"/>
-              <a:r>
-                <a:rPr lang="en-US" sz="800" dirty="0">
-                  <a:solidFill>
-                    <a:srgbClr val="DAAD64"/>
-                  </a:solidFill>
-                  <a:latin typeface="Arial" panose="020B0604020202020204" pitchFamily="34" charset="0"/>
-                  <a:cs typeface="Arial" panose="020B0604020202020204" pitchFamily="34" charset="0"/>
-                </a:rPr>
-                <a:t>all non-excavators</a:t>
-              </a:r>
-            </a:p>
-          </p:txBody>
-        </p:sp>
-      </p:grpSp>
+          </a:ln>
+        </p:spPr>
+        <p:style>
+          <a:lnRef idx="2">
+            <a:schemeClr val="accent1">
+              <a:shade val="15000"/>
+            </a:schemeClr>
+          </a:lnRef>
+          <a:fillRef idx="1">
+            <a:schemeClr val="accent1"/>
+          </a:fillRef>
+          <a:effectRef idx="0">
+            <a:schemeClr val="accent1"/>
+          </a:effectRef>
+          <a:fontRef idx="minor">
+            <a:schemeClr val="lt1"/>
+          </a:fontRef>
+        </p:style>
+        <p:txBody>
+          <a:bodyPr rtlCol="0" anchor="ctr"/>
+          <a:lstStyle/>
+          <a:p>
+            <a:pPr algn="ctr"/>
+            <a:r>
+              <a:rPr lang="en-US" sz="800" dirty="0">
+                <a:solidFill>
+                  <a:srgbClr val="175F5D"/>
+                </a:solidFill>
+                <a:latin typeface="Arial" panose="020B0604020202020204" pitchFamily="34" charset="0"/>
+                <a:cs typeface="Arial" panose="020B0604020202020204" pitchFamily="34" charset="0"/>
+              </a:rPr>
+              <a:t>similar-sized excavators</a:t>
+            </a:r>
+          </a:p>
+        </p:txBody>
+      </p:sp>
+      <p:sp>
+        <p:nvSpPr>
+          <p:cNvPr id="26" name="Rectangle 25">
+            <a:extLst>
+              <a:ext uri="{FF2B5EF4-FFF2-40B4-BE49-F238E27FC236}">
+                <a16:creationId xmlns:a16="http://schemas.microsoft.com/office/drawing/2014/main" id="{B6007B77-A6B2-C7A7-B187-9FD060A2B313}"/>
+              </a:ext>
+            </a:extLst>
+          </p:cNvPr>
+          <p:cNvSpPr/>
+          <p:nvPr/>
+        </p:nvSpPr>
+        <p:spPr>
+          <a:xfrm rot="18603284">
+            <a:off x="3748877" y="963573"/>
+            <a:ext cx="908377" cy="329962"/>
+          </a:xfrm>
+          <a:prstGeom prst="rect">
+            <a:avLst/>
+          </a:prstGeom>
+          <a:noFill/>
+          <a:ln>
+            <a:noFill/>
+          </a:ln>
+        </p:spPr>
+        <p:style>
+          <a:lnRef idx="2">
+            <a:schemeClr val="accent1">
+              <a:shade val="15000"/>
+            </a:schemeClr>
+          </a:lnRef>
+          <a:fillRef idx="1">
+            <a:schemeClr val="accent1"/>
+          </a:fillRef>
+          <a:effectRef idx="0">
+            <a:schemeClr val="accent1"/>
+          </a:effectRef>
+          <a:fontRef idx="minor">
+            <a:schemeClr val="lt1"/>
+          </a:fontRef>
+        </p:style>
+        <p:txBody>
+          <a:bodyPr rtlCol="0" anchor="ctr"/>
+          <a:lstStyle/>
+          <a:p>
+            <a:pPr algn="ctr"/>
+            <a:r>
+              <a:rPr lang="en-US" sz="800" dirty="0">
+                <a:solidFill>
+                  <a:srgbClr val="4FB6CA"/>
+                </a:solidFill>
+                <a:latin typeface="Arial" panose="020B0604020202020204" pitchFamily="34" charset="0"/>
+                <a:cs typeface="Arial" panose="020B0604020202020204" pitchFamily="34" charset="0"/>
+              </a:rPr>
+              <a:t>all excavators</a:t>
+            </a:r>
+          </a:p>
+        </p:txBody>
+      </p:sp>
+      <p:sp>
+        <p:nvSpPr>
+          <p:cNvPr id="27" name="Rectangle 26">
+            <a:extLst>
+              <a:ext uri="{FF2B5EF4-FFF2-40B4-BE49-F238E27FC236}">
+                <a16:creationId xmlns:a16="http://schemas.microsoft.com/office/drawing/2014/main" id="{AECB2BEF-E029-AE99-51E1-ACB1C4C44E53}"/>
+              </a:ext>
+            </a:extLst>
+          </p:cNvPr>
+          <p:cNvSpPr/>
+          <p:nvPr/>
+        </p:nvSpPr>
+        <p:spPr>
+          <a:xfrm rot="2818762">
+            <a:off x="2486228" y="942623"/>
+            <a:ext cx="907661" cy="329962"/>
+          </a:xfrm>
+          <a:prstGeom prst="rect">
+            <a:avLst/>
+          </a:prstGeom>
+          <a:noFill/>
+          <a:ln>
+            <a:noFill/>
+          </a:ln>
+        </p:spPr>
+        <p:style>
+          <a:lnRef idx="2">
+            <a:schemeClr val="accent1">
+              <a:shade val="15000"/>
+            </a:schemeClr>
+          </a:lnRef>
+          <a:fillRef idx="1">
+            <a:schemeClr val="accent1"/>
+          </a:fillRef>
+          <a:effectRef idx="0">
+            <a:schemeClr val="accent1"/>
+          </a:effectRef>
+          <a:fontRef idx="minor">
+            <a:schemeClr val="lt1"/>
+          </a:fontRef>
+        </p:style>
+        <p:txBody>
+          <a:bodyPr rtlCol="0" anchor="ctr"/>
+          <a:lstStyle/>
+          <a:p>
+            <a:pPr algn="ctr"/>
+            <a:r>
+              <a:rPr lang="en-US" sz="800" dirty="0">
+                <a:solidFill>
+                  <a:srgbClr val="DAAD64"/>
+                </a:solidFill>
+                <a:latin typeface="Arial" panose="020B0604020202020204" pitchFamily="34" charset="0"/>
+                <a:cs typeface="Arial" panose="020B0604020202020204" pitchFamily="34" charset="0"/>
+              </a:rPr>
+              <a:t>all non-excavators</a:t>
+            </a:r>
+          </a:p>
+        </p:txBody>
+      </p:sp>
     </p:spTree>
     <p:extLst>
       <p:ext uri="{BB962C8B-B14F-4D97-AF65-F5344CB8AC3E}">
